--- a/files/Azure-app-configuration-and-Azure-key-vault.pptx
+++ b/files/Azure-app-configuration-and-Azure-key-vault.pptx
@@ -109,6 +109,11 @@
       </a:defRPr>
     </a:lvl9pPr>
   </p:defaultTextStyle>
+  <p:extLst>
+    <p:ext uri="{EFAFB233-063F-42B5-8137-9DF3F51BA10A}">
+      <p15:sldGuideLst xmlns:p15="http://schemas.microsoft.com/office/powerpoint/2012/main"/>
+    </p:ext>
+  </p:extLst>
 </p:presentation>
 </file>
 
@@ -4175,8 +4180,17 @@
           </a:p>
           <a:p>
             <a:r>
-              <a:rPr lang="it-IT"/>
+              <a:rPr lang="it-IT" dirty="0"/>
               <a:t>Plug app configuration in app startup</a:t>
+            </a:r>
+          </a:p>
+          <a:p>
+            <a:endParaRPr lang="it-IT" dirty="0"/>
+          </a:p>
+          <a:p>
+            <a:r>
+              <a:rPr lang="it-IT" dirty="0"/>
+              <a:t>DEMO</a:t>
             </a:r>
             <a:endParaRPr lang="en-US" dirty="0"/>
           </a:p>
